--- a/Template files/Template01.pptx
+++ b/Template files/Template01.pptx
@@ -1791,7 +1791,7 @@
           <a:p>
             <a:fld id="{F93D1CA1-9539-4AC8-82CD-E94DEEADCDDC}" type="datetimeFigureOut">
               <a:rPr lang="en-GB" smtClean="0"/>
-              <a:t>23/07/2023</a:t>
+              <a:t>14/04/2024</a:t>
             </a:fld>
             <a:endParaRPr lang="en-GB"/>
           </a:p>
@@ -1961,7 +1961,7 @@
           <a:p>
             <a:fld id="{F93D1CA1-9539-4AC8-82CD-E94DEEADCDDC}" type="datetimeFigureOut">
               <a:rPr lang="en-GB" smtClean="0"/>
-              <a:t>23/07/2023</a:t>
+              <a:t>14/04/2024</a:t>
             </a:fld>
             <a:endParaRPr lang="en-GB"/>
           </a:p>
@@ -2141,7 +2141,7 @@
           <a:p>
             <a:fld id="{F93D1CA1-9539-4AC8-82CD-E94DEEADCDDC}" type="datetimeFigureOut">
               <a:rPr lang="en-GB" smtClean="0"/>
-              <a:t>23/07/2023</a:t>
+              <a:t>14/04/2024</a:t>
             </a:fld>
             <a:endParaRPr lang="en-GB"/>
           </a:p>
@@ -2311,7 +2311,7 @@
           <a:p>
             <a:fld id="{F93D1CA1-9539-4AC8-82CD-E94DEEADCDDC}" type="datetimeFigureOut">
               <a:rPr lang="en-GB" smtClean="0"/>
-              <a:t>23/07/2023</a:t>
+              <a:t>14/04/2024</a:t>
             </a:fld>
             <a:endParaRPr lang="en-GB"/>
           </a:p>
@@ -2555,7 +2555,7 @@
           <a:p>
             <a:fld id="{F93D1CA1-9539-4AC8-82CD-E94DEEADCDDC}" type="datetimeFigureOut">
               <a:rPr lang="en-GB" smtClean="0"/>
-              <a:t>23/07/2023</a:t>
+              <a:t>14/04/2024</a:t>
             </a:fld>
             <a:endParaRPr lang="en-GB"/>
           </a:p>
@@ -2787,7 +2787,7 @@
           <a:p>
             <a:fld id="{F93D1CA1-9539-4AC8-82CD-E94DEEADCDDC}" type="datetimeFigureOut">
               <a:rPr lang="en-GB" smtClean="0"/>
-              <a:t>23/07/2023</a:t>
+              <a:t>14/04/2024</a:t>
             </a:fld>
             <a:endParaRPr lang="en-GB"/>
           </a:p>
@@ -3154,7 +3154,7 @@
           <a:p>
             <a:fld id="{F93D1CA1-9539-4AC8-82CD-E94DEEADCDDC}" type="datetimeFigureOut">
               <a:rPr lang="en-GB" smtClean="0"/>
-              <a:t>23/07/2023</a:t>
+              <a:t>14/04/2024</a:t>
             </a:fld>
             <a:endParaRPr lang="en-GB"/>
           </a:p>
@@ -3272,7 +3272,7 @@
           <a:p>
             <a:fld id="{F93D1CA1-9539-4AC8-82CD-E94DEEADCDDC}" type="datetimeFigureOut">
               <a:rPr lang="en-GB" smtClean="0"/>
-              <a:t>23/07/2023</a:t>
+              <a:t>14/04/2024</a:t>
             </a:fld>
             <a:endParaRPr lang="en-GB"/>
           </a:p>
@@ -3367,7 +3367,7 @@
           <a:p>
             <a:fld id="{F93D1CA1-9539-4AC8-82CD-E94DEEADCDDC}" type="datetimeFigureOut">
               <a:rPr lang="en-GB" smtClean="0"/>
-              <a:t>23/07/2023</a:t>
+              <a:t>14/04/2024</a:t>
             </a:fld>
             <a:endParaRPr lang="en-GB"/>
           </a:p>
@@ -3644,7 +3644,7 @@
           <a:p>
             <a:fld id="{F93D1CA1-9539-4AC8-82CD-E94DEEADCDDC}" type="datetimeFigureOut">
               <a:rPr lang="en-GB" smtClean="0"/>
-              <a:t>23/07/2023</a:t>
+              <a:t>14/04/2024</a:t>
             </a:fld>
             <a:endParaRPr lang="en-GB"/>
           </a:p>
@@ -3901,7 +3901,7 @@
           <a:p>
             <a:fld id="{F93D1CA1-9539-4AC8-82CD-E94DEEADCDDC}" type="datetimeFigureOut">
               <a:rPr lang="en-GB" smtClean="0"/>
-              <a:t>23/07/2023</a:t>
+              <a:t>14/04/2024</a:t>
             </a:fld>
             <a:endParaRPr lang="en-GB"/>
           </a:p>
@@ -4114,7 +4114,7 @@
           <a:p>
             <a:fld id="{F93D1CA1-9539-4AC8-82CD-E94DEEADCDDC}" type="datetimeFigureOut">
               <a:rPr lang="en-GB" smtClean="0"/>
-              <a:t>23/07/2023</a:t>
+              <a:t>14/04/2024</a:t>
             </a:fld>
             <a:endParaRPr lang="en-GB"/>
           </a:p>
@@ -4548,7 +4548,7 @@
           <a:lstStyle/>
           <a:p>
             <a:r>
-              <a:rPr lang="en-US" sz="3600" b="1">
+              <a:rPr lang="en-US" sz="3600" b="1" dirty="0">
                 <a:solidFill>
                   <a:schemeClr val="bg2">
                     <a:lumMod val="25000"/>
@@ -4558,7 +4558,7 @@
                 <a:ea typeface="Segoe UI Black" panose="020B0A02040204020203" pitchFamily="34" charset="0"/>
                 <a:cs typeface="Segoe UI Semibold" panose="020B0702040204020203" pitchFamily="34" charset="0"/>
               </a:rPr>
-              <a:t>FIRST LAST NAME</a:t>
+              <a:t>Kuldeep Singh</a:t>
             </a:r>
           </a:p>
         </p:txBody>
